--- a/Modelica_Präsentation_v2.pptx
+++ b/Modelica_Präsentation_v2.pptx
@@ -5329,33 +5329,15 @@
                                   </p:childTnLst>
                                 </p:cTn>
                               </p:par>
-                            </p:childTnLst>
-                          </p:cTn>
-                        </p:par>
-                      </p:childTnLst>
-                    </p:cTn>
-                  </p:par>
-                  <p:par>
-                    <p:cTn id="25" fill="hold">
-                      <p:stCondLst>
-                        <p:cond delay="indefinite"/>
-                      </p:stCondLst>
-                      <p:childTnLst>
-                        <p:par>
-                          <p:cTn id="26" fill="hold">
-                            <p:stCondLst>
-                              <p:cond delay="0"/>
-                            </p:stCondLst>
-                            <p:childTnLst>
                               <p:par>
-                                <p:cTn id="27" presetID="1" presetClass="entr" presetSubtype="0" fill="hold" nodeType="clickEffect">
+                                <p:cTn id="25" presetID="1" presetClass="entr" presetSubtype="0" fill="hold" nodeType="withEffect">
                                   <p:stCondLst>
                                     <p:cond delay="0"/>
                                   </p:stCondLst>
                                   <p:childTnLst>
                                     <p:set>
                                       <p:cBhvr>
-                                        <p:cTn id="28" dur="1" fill="hold">
+                                        <p:cTn id="26" dur="1" fill="hold">
                                           <p:stCondLst>
                                             <p:cond delay="0"/>
                                           </p:stCondLst>
@@ -5385,26 +5367,26 @@
                     </p:cTn>
                   </p:par>
                   <p:par>
-                    <p:cTn id="29" fill="hold">
+                    <p:cTn id="27" fill="hold">
                       <p:stCondLst>
                         <p:cond delay="indefinite"/>
                       </p:stCondLst>
                       <p:childTnLst>
                         <p:par>
-                          <p:cTn id="30" fill="hold">
+                          <p:cTn id="28" fill="hold">
                             <p:stCondLst>
                               <p:cond delay="0"/>
                             </p:stCondLst>
                             <p:childTnLst>
                               <p:par>
-                                <p:cTn id="31" presetID="1" presetClass="entr" presetSubtype="0" fill="hold" nodeType="clickEffect">
+                                <p:cTn id="29" presetID="1" presetClass="entr" presetSubtype="0" fill="hold" nodeType="clickEffect">
                                   <p:stCondLst>
                                     <p:cond delay="0"/>
                                   </p:stCondLst>
                                   <p:childTnLst>
                                     <p:set>
                                       <p:cBhvr>
-                                        <p:cTn id="32" dur="1" fill="hold">
+                                        <p:cTn id="30" dur="1" fill="hold">
                                           <p:stCondLst>
                                             <p:cond delay="0"/>
                                           </p:stCondLst>
@@ -5533,18 +5515,32 @@
           </a:p>
           <a:p>
             <a:r>
+              <a:rPr lang="de-DE" dirty="0"/>
+              <a:t>Seile können </a:t>
+            </a:r>
+            <a:r>
+              <a:rPr lang="de-DE" b="1" dirty="0"/>
+              <a:t>auch Druckkräfte</a:t>
+            </a:r>
+            <a:r>
+              <a:rPr lang="de-DE" dirty="0"/>
+              <a:t> übertragen</a:t>
+            </a:r>
+          </a:p>
+          <a:p>
+            <a:r>
               <a:rPr lang="de-DE" b="1" dirty="0"/>
               <a:t>Reibung</a:t>
             </a:r>
             <a:r>
               <a:rPr lang="de-DE" dirty="0"/>
-              <a:t> in Rollenlagern und zwischen Seil und Rolle vernachlässigt</a:t>
+              <a:t> in Rollenlagerung und zwischen Seil und Rolle vernachlässigt</a:t>
             </a:r>
           </a:p>
           <a:p>
             <a:r>
               <a:rPr lang="de-DE" b="1" dirty="0"/>
-              <a:t>Drehzahlregelung</a:t>
+              <a:t>Drehzahl-</a:t>
             </a:r>
             <a:r>
               <a:rPr lang="de-DE" dirty="0"/>
@@ -5552,7 +5548,7 @@
             </a:r>
             <a:r>
               <a:rPr lang="de-DE" b="1" dirty="0"/>
-              <a:t>Strombegrenzung</a:t>
+              <a:t>Stromregelung</a:t>
             </a:r>
             <a:r>
               <a:rPr lang="de-DE" dirty="0"/>
@@ -5665,232 +5661,6 @@
   <p:clrMapOvr>
     <a:masterClrMapping/>
   </p:clrMapOvr>
-  <p:timing>
-    <p:tnLst>
-      <p:par>
-        <p:cTn id="1" dur="indefinite" restart="never" nodeType="tmRoot">
-          <p:childTnLst>
-            <p:seq concurrent="1" nextAc="seek">
-              <p:cTn id="2" dur="indefinite" nodeType="mainSeq">
-                <p:childTnLst>
-                  <p:par>
-                    <p:cTn id="3" fill="hold">
-                      <p:stCondLst>
-                        <p:cond delay="indefinite"/>
-                      </p:stCondLst>
-                      <p:childTnLst>
-                        <p:par>
-                          <p:cTn id="4" fill="hold">
-                            <p:stCondLst>
-                              <p:cond delay="0"/>
-                            </p:stCondLst>
-                            <p:childTnLst>
-                              <p:par>
-                                <p:cTn id="5" presetID="1" presetClass="entr" presetSubtype="0" fill="hold" nodeType="clickEffect">
-                                  <p:stCondLst>
-                                    <p:cond delay="0"/>
-                                  </p:stCondLst>
-                                  <p:childTnLst>
-                                    <p:set>
-                                      <p:cBhvr>
-                                        <p:cTn id="6" dur="1" fill="hold">
-                                          <p:stCondLst>
-                                            <p:cond delay="0"/>
-                                          </p:stCondLst>
-                                        </p:cTn>
-                                        <p:tgtEl>
-                                          <p:spTgt spid="3">
-                                            <p:txEl>
-                                              <p:pRg st="0" end="0"/>
-                                            </p:txEl>
-                                          </p:spTgt>
-                                        </p:tgtEl>
-                                        <p:attrNameLst>
-                                          <p:attrName>style.visibility</p:attrName>
-                                        </p:attrNameLst>
-                                      </p:cBhvr>
-                                      <p:to>
-                                        <p:strVal val="visible"/>
-                                      </p:to>
-                                    </p:set>
-                                  </p:childTnLst>
-                                </p:cTn>
-                              </p:par>
-                            </p:childTnLst>
-                          </p:cTn>
-                        </p:par>
-                      </p:childTnLst>
-                    </p:cTn>
-                  </p:par>
-                  <p:par>
-                    <p:cTn id="7" fill="hold">
-                      <p:stCondLst>
-                        <p:cond delay="indefinite"/>
-                      </p:stCondLst>
-                      <p:childTnLst>
-                        <p:par>
-                          <p:cTn id="8" fill="hold">
-                            <p:stCondLst>
-                              <p:cond delay="0"/>
-                            </p:stCondLst>
-                            <p:childTnLst>
-                              <p:par>
-                                <p:cTn id="9" presetID="1" presetClass="entr" presetSubtype="0" fill="hold" nodeType="clickEffect">
-                                  <p:stCondLst>
-                                    <p:cond delay="0"/>
-                                  </p:stCondLst>
-                                  <p:childTnLst>
-                                    <p:set>
-                                      <p:cBhvr>
-                                        <p:cTn id="10" dur="1" fill="hold">
-                                          <p:stCondLst>
-                                            <p:cond delay="0"/>
-                                          </p:stCondLst>
-                                        </p:cTn>
-                                        <p:tgtEl>
-                                          <p:spTgt spid="3">
-                                            <p:txEl>
-                                              <p:pRg st="1" end="1"/>
-                                            </p:txEl>
-                                          </p:spTgt>
-                                        </p:tgtEl>
-                                        <p:attrNameLst>
-                                          <p:attrName>style.visibility</p:attrName>
-                                        </p:attrNameLst>
-                                      </p:cBhvr>
-                                      <p:to>
-                                        <p:strVal val="visible"/>
-                                      </p:to>
-                                    </p:set>
-                                  </p:childTnLst>
-                                </p:cTn>
-                              </p:par>
-                            </p:childTnLst>
-                          </p:cTn>
-                        </p:par>
-                      </p:childTnLst>
-                    </p:cTn>
-                  </p:par>
-                  <p:par>
-                    <p:cTn id="11" fill="hold">
-                      <p:stCondLst>
-                        <p:cond delay="indefinite"/>
-                      </p:stCondLst>
-                      <p:childTnLst>
-                        <p:par>
-                          <p:cTn id="12" fill="hold">
-                            <p:stCondLst>
-                              <p:cond delay="0"/>
-                            </p:stCondLst>
-                            <p:childTnLst>
-                              <p:par>
-                                <p:cTn id="13" presetID="1" presetClass="entr" presetSubtype="0" fill="hold" nodeType="clickEffect">
-                                  <p:stCondLst>
-                                    <p:cond delay="0"/>
-                                  </p:stCondLst>
-                                  <p:childTnLst>
-                                    <p:set>
-                                      <p:cBhvr>
-                                        <p:cTn id="14" dur="1" fill="hold">
-                                          <p:stCondLst>
-                                            <p:cond delay="0"/>
-                                          </p:stCondLst>
-                                        </p:cTn>
-                                        <p:tgtEl>
-                                          <p:spTgt spid="3">
-                                            <p:txEl>
-                                              <p:pRg st="2" end="2"/>
-                                            </p:txEl>
-                                          </p:spTgt>
-                                        </p:tgtEl>
-                                        <p:attrNameLst>
-                                          <p:attrName>style.visibility</p:attrName>
-                                        </p:attrNameLst>
-                                      </p:cBhvr>
-                                      <p:to>
-                                        <p:strVal val="visible"/>
-                                      </p:to>
-                                    </p:set>
-                                  </p:childTnLst>
-                                </p:cTn>
-                              </p:par>
-                            </p:childTnLst>
-                          </p:cTn>
-                        </p:par>
-                      </p:childTnLst>
-                    </p:cTn>
-                  </p:par>
-                  <p:par>
-                    <p:cTn id="15" fill="hold">
-                      <p:stCondLst>
-                        <p:cond delay="indefinite"/>
-                      </p:stCondLst>
-                      <p:childTnLst>
-                        <p:par>
-                          <p:cTn id="16" fill="hold">
-                            <p:stCondLst>
-                              <p:cond delay="0"/>
-                            </p:stCondLst>
-                            <p:childTnLst>
-                              <p:par>
-                                <p:cTn id="17" presetID="1" presetClass="entr" presetSubtype="0" fill="hold" nodeType="clickEffect">
-                                  <p:stCondLst>
-                                    <p:cond delay="0"/>
-                                  </p:stCondLst>
-                                  <p:childTnLst>
-                                    <p:set>
-                                      <p:cBhvr>
-                                        <p:cTn id="18" dur="1" fill="hold">
-                                          <p:stCondLst>
-                                            <p:cond delay="0"/>
-                                          </p:stCondLst>
-                                        </p:cTn>
-                                        <p:tgtEl>
-                                          <p:spTgt spid="3">
-                                            <p:txEl>
-                                              <p:pRg st="3" end="3"/>
-                                            </p:txEl>
-                                          </p:spTgt>
-                                        </p:tgtEl>
-                                        <p:attrNameLst>
-                                          <p:attrName>style.visibility</p:attrName>
-                                        </p:attrNameLst>
-                                      </p:cBhvr>
-                                      <p:to>
-                                        <p:strVal val="visible"/>
-                                      </p:to>
-                                    </p:set>
-                                  </p:childTnLst>
-                                </p:cTn>
-                              </p:par>
-                            </p:childTnLst>
-                          </p:cTn>
-                        </p:par>
-                      </p:childTnLst>
-                    </p:cTn>
-                  </p:par>
-                </p:childTnLst>
-              </p:cTn>
-              <p:prevCondLst>
-                <p:cond evt="onPrev" delay="0">
-                  <p:tgtEl>
-                    <p:sldTgt/>
-                  </p:tgtEl>
-                </p:cond>
-              </p:prevCondLst>
-              <p:nextCondLst>
-                <p:cond evt="onNext" delay="0">
-                  <p:tgtEl>
-                    <p:sldTgt/>
-                  </p:tgtEl>
-                </p:cond>
-              </p:nextCondLst>
-            </p:seq>
-          </p:childTnLst>
-        </p:cTn>
-      </p:par>
-    </p:tnLst>
-  </p:timing>
 </p:sld>
 </file>
 
